--- a/The Dot Box.pptx
+++ b/The Dot Box.pptx
@@ -14159,52 +14159,6 @@
           </p:txBody>
         </p:sp>
       </p:grpSp>
-      <p:sp>
-        <p:nvSpPr>
-          <p:cNvPr id="2" name="Rectangle 1">
-            <a:extLst>
-              <a:ext uri="{FF2B5EF4-FFF2-40B4-BE49-F238E27FC236}">
-                <a16:creationId xmlns:a16="http://schemas.microsoft.com/office/drawing/2014/main" id="{49803D6A-58EA-1646-9432-A45E0D4D98C0}"/>
-              </a:ext>
-            </a:extLst>
-          </p:cNvPr>
-          <p:cNvSpPr/>
-          <p:nvPr/>
-        </p:nvSpPr>
-        <p:spPr>
-          <a:xfrm>
-            <a:off x="11529391" y="1188139"/>
-            <a:ext cx="914400" cy="914400"/>
-          </a:xfrm>
-          <a:prstGeom prst="rect">
-            <a:avLst/>
-          </a:prstGeom>
-        </p:spPr>
-        <p:style>
-          <a:lnRef idx="2">
-            <a:schemeClr val="accent1">
-              <a:shade val="50000"/>
-            </a:schemeClr>
-          </a:lnRef>
-          <a:fillRef idx="1">
-            <a:schemeClr val="accent1"/>
-          </a:fillRef>
-          <a:effectRef idx="0">
-            <a:schemeClr val="accent1"/>
-          </a:effectRef>
-          <a:fontRef idx="minor">
-            <a:schemeClr val="lt1"/>
-          </a:fontRef>
-        </p:style>
-        <p:txBody>
-          <a:bodyPr rtlCol="0" anchor="ctr"/>
-          <a:lstStyle/>
-          <a:p>
-            <a:pPr algn="ctr"/>
-            <a:endParaRPr lang="en-US"/>
-          </a:p>
-        </p:txBody>
-      </p:sp>
     </p:spTree>
     <p:extLst>
       <p:ext uri="{BB962C8B-B14F-4D97-AF65-F5344CB8AC3E}">
@@ -16050,9 +16004,9 @@
         <p:grpSpPr>
           <a:xfrm>
             <a:off x="1378714" y="3432829"/>
-            <a:ext cx="1687538" cy="2031023"/>
+            <a:ext cx="1687538" cy="1537044"/>
             <a:chOff x="1378714" y="3432829"/>
-            <a:chExt cx="1687538" cy="2031023"/>
+            <a:chExt cx="1687538" cy="1537044"/>
           </a:xfrm>
         </p:grpSpPr>
         <p:cxnSp>
@@ -16070,9 +16024,9 @@
             <p:nvPr/>
           </p:nvCxnSpPr>
           <p:spPr>
-            <a:xfrm flipH="1" flipV="1">
+            <a:xfrm flipV="1">
               <a:off x="2169709" y="3432829"/>
-              <a:ext cx="2933" cy="1396986"/>
+              <a:ext cx="0" cy="880376"/>
             </a:xfrm>
             <a:prstGeom prst="straightConnector1">
               <a:avLst/>
@@ -16113,7 +16067,7 @@
           </p:nvSpPr>
           <p:spPr>
             <a:xfrm>
-              <a:off x="1378714" y="4817521"/>
+              <a:off x="1378714" y="4323542"/>
               <a:ext cx="1687538" cy="646331"/>
             </a:xfrm>
             <a:prstGeom prst="rect">
